--- a/docs/ChatGPT-从语言知识到知识库-all.pptx
+++ b/docs/ChatGPT-从语言知识到知识库-all.pptx
@@ -5837,7 +5837,7 @@
             </a:r>
             <a:r>
               <a:rPr kumimoji="1" lang="en-US" altLang="zh-CN" dirty="0"/>
-              <a:t>GPT-3 (</a:t>
+              <a:t>GPT-3.5 (</a:t>
             </a:r>
             <a:r>
               <a:rPr kumimoji="1" lang="en-US" altLang="zh-CN" dirty="0" err="1"/>

--- a/docs/ChatGPT-从语言知识到知识库-all.pptx
+++ b/docs/ChatGPT-从语言知识到知识库-all.pptx
@@ -5639,8 +5639,8 @@
         </p:nvSpPr>
         <p:spPr>
           <a:xfrm>
-            <a:off x="4157007" y="1563743"/>
-            <a:ext cx="3877985" cy="369332"/>
+            <a:off x="3349094" y="1638039"/>
+            <a:ext cx="5493812" cy="369332"/>
           </a:xfrm>
           <a:prstGeom prst="rect">
             <a:avLst/>
@@ -5655,7 +5655,7 @@
           <a:p>
             <a:r>
               <a:rPr kumimoji="1" lang="zh-CN" altLang="en-US" dirty="0"/>
-              <a:t>将上下文按照大脑思考过程进行拆解</a:t>
+              <a:t>将上下文按照大脑思考过程进行拆解之后作为上下文</a:t>
             </a:r>
           </a:p>
         </p:txBody>
